--- a/docs/scrum/sprint1/Sprint 1 Planning.pptx
+++ b/docs/scrum/sprint1/Sprint 1 Planning.pptx
@@ -119,7 +119,7 @@
   </p:defaultTextStyle>
   <p:extLst>
     <p:ext uri="{EFAFB233-063F-42B5-8137-9DF3F51BA10A}">
-      <p15:sldGuideLst xmlns:p15="http://schemas.microsoft.com/office/powerpoint/2012/main">
+      <p15:sldGuideLst xmlns:p15="http://schemas.microsoft.com/office/powerpoint/2012/main" xmlns="">
         <p15:guide id="1" orient="horz" pos="3840">
           <p15:clr>
             <a:srgbClr val="A4A3A4"/>
@@ -219,7 +219,7 @@
             <a:fld id="{93F31936-34FB-46D7-8B5B-9A9CF58989DC}" type="datetimeFigureOut">
               <a:rPr lang="en-US" smtClean="0"/>
               <a:pPr/>
-              <a:t>6/22/2015</a:t>
+              <a:t>6/24/15</a:t>
             </a:fld>
             <a:endParaRPr lang="en-US"/>
           </a:p>
@@ -2042,7 +2042,7 @@
             <a:fld id="{31CC4B11-A6A5-4D9E-9368-043FB2A4AF23}" type="datetimeFigureOut">
               <a:rPr lang="en-US" smtClean="0"/>
               <a:pPr/>
-              <a:t>6/22/2015</a:t>
+              <a:t>6/24/15</a:t>
             </a:fld>
             <a:endParaRPr lang="en-US"/>
           </a:p>
@@ -2209,7 +2209,7 @@
             <a:fld id="{31CC4B11-A6A5-4D9E-9368-043FB2A4AF23}" type="datetimeFigureOut">
               <a:rPr lang="en-US" smtClean="0"/>
               <a:pPr/>
-              <a:t>6/22/2015</a:t>
+              <a:t>6/24/15</a:t>
             </a:fld>
             <a:endParaRPr lang="en-US"/>
           </a:p>
@@ -2386,7 +2386,7 @@
             <a:fld id="{31CC4B11-A6A5-4D9E-9368-043FB2A4AF23}" type="datetimeFigureOut">
               <a:rPr lang="en-US" smtClean="0"/>
               <a:pPr/>
-              <a:t>6/22/2015</a:t>
+              <a:t>6/24/15</a:t>
             </a:fld>
             <a:endParaRPr lang="en-US"/>
           </a:p>
@@ -2553,7 +2553,7 @@
             <a:fld id="{31CC4B11-A6A5-4D9E-9368-043FB2A4AF23}" type="datetimeFigureOut">
               <a:rPr lang="en-US" smtClean="0"/>
               <a:pPr/>
-              <a:t>6/22/2015</a:t>
+              <a:t>6/24/15</a:t>
             </a:fld>
             <a:endParaRPr lang="en-US"/>
           </a:p>
@@ -2796,7 +2796,7 @@
             <a:fld id="{31CC4B11-A6A5-4D9E-9368-043FB2A4AF23}" type="datetimeFigureOut">
               <a:rPr lang="en-US" smtClean="0"/>
               <a:pPr/>
-              <a:t>6/22/2015</a:t>
+              <a:t>6/24/15</a:t>
             </a:fld>
             <a:endParaRPr lang="en-US"/>
           </a:p>
@@ -3081,7 +3081,7 @@
             <a:fld id="{31CC4B11-A6A5-4D9E-9368-043FB2A4AF23}" type="datetimeFigureOut">
               <a:rPr lang="en-US" smtClean="0"/>
               <a:pPr/>
-              <a:t>6/22/2015</a:t>
+              <a:t>6/24/15</a:t>
             </a:fld>
             <a:endParaRPr lang="en-US"/>
           </a:p>
@@ -3500,7 +3500,7 @@
             <a:fld id="{31CC4B11-A6A5-4D9E-9368-043FB2A4AF23}" type="datetimeFigureOut">
               <a:rPr lang="en-US" smtClean="0"/>
               <a:pPr/>
-              <a:t>6/22/2015</a:t>
+              <a:t>6/24/15</a:t>
             </a:fld>
             <a:endParaRPr lang="en-US"/>
           </a:p>
@@ -3615,7 +3615,7 @@
             <a:fld id="{31CC4B11-A6A5-4D9E-9368-043FB2A4AF23}" type="datetimeFigureOut">
               <a:rPr lang="en-US" smtClean="0"/>
               <a:pPr/>
-              <a:t>6/22/2015</a:t>
+              <a:t>6/24/15</a:t>
             </a:fld>
             <a:endParaRPr lang="en-US"/>
           </a:p>
@@ -3707,7 +3707,7 @@
             <a:fld id="{31CC4B11-A6A5-4D9E-9368-043FB2A4AF23}" type="datetimeFigureOut">
               <a:rPr lang="en-US" smtClean="0"/>
               <a:pPr/>
-              <a:t>6/22/2015</a:t>
+              <a:t>6/24/15</a:t>
             </a:fld>
             <a:endParaRPr lang="en-US"/>
           </a:p>
@@ -3981,7 +3981,7 @@
             <a:fld id="{31CC4B11-A6A5-4D9E-9368-043FB2A4AF23}" type="datetimeFigureOut">
               <a:rPr lang="en-US" smtClean="0"/>
               <a:pPr/>
-              <a:t>6/22/2015</a:t>
+              <a:t>6/24/15</a:t>
             </a:fld>
             <a:endParaRPr lang="en-US"/>
           </a:p>
@@ -4235,7 +4235,7 @@
             <a:fld id="{31CC4B11-A6A5-4D9E-9368-043FB2A4AF23}" type="datetimeFigureOut">
               <a:rPr lang="en-US" smtClean="0"/>
               <a:pPr/>
-              <a:t>6/22/2015</a:t>
+              <a:t>6/24/15</a:t>
             </a:fld>
             <a:endParaRPr lang="en-US"/>
           </a:p>
@@ -4459,7 +4459,7 @@
             <a:fld id="{31CC4B11-A6A5-4D9E-9368-043FB2A4AF23}" type="datetimeFigureOut">
               <a:rPr lang="en-US" smtClean="0"/>
               <a:pPr/>
-              <a:t>6/22/2015</a:t>
+              <a:t>6/24/15</a:t>
             </a:fld>
             <a:endParaRPr lang="en-US"/>
           </a:p>
@@ -5318,40 +5318,16 @@
               <a:rPr lang="en-US" sz="2000" b="1" dirty="0" smtClean="0">
                 <a:latin typeface="Gill Sans MT" pitchFamily="34" charset="0"/>
               </a:rPr>
-              <a:t>Sprint </a:t>
-            </a:r>
+              <a:t>Sprint 1 Planning </a:t>
+            </a:r>
+          </a:p>
+          <a:p>
+            <a:pPr algn="ctr"/>
             <a:r>
               <a:rPr lang="en-US" sz="2000" b="1" dirty="0" smtClean="0">
                 <a:latin typeface="Gill Sans MT" pitchFamily="34" charset="0"/>
               </a:rPr>
-              <a:t>1 </a:t>
-            </a:r>
-            <a:r>
-              <a:rPr lang="en-US" sz="2000" b="1" dirty="0" smtClean="0">
-                <a:latin typeface="Gill Sans MT" pitchFamily="34" charset="0"/>
-              </a:rPr>
-              <a:t>Planning </a:t>
-            </a:r>
-          </a:p>
-          <a:p>
-            <a:pPr algn="ctr"/>
-            <a:r>
-              <a:rPr lang="en-US" sz="2000" b="1" dirty="0" smtClean="0">
-                <a:latin typeface="Gill Sans MT" pitchFamily="34" charset="0"/>
-              </a:rPr>
-              <a:t>June </a:t>
-            </a:r>
-            <a:r>
-              <a:rPr lang="en-US" sz="2000" b="1" dirty="0" smtClean="0">
-                <a:latin typeface="Gill Sans MT" pitchFamily="34" charset="0"/>
-              </a:rPr>
-              <a:t>18, </a:t>
-            </a:r>
-            <a:r>
-              <a:rPr lang="en-US" sz="2000" b="1" dirty="0" smtClean="0">
-                <a:latin typeface="Gill Sans MT" pitchFamily="34" charset="0"/>
-              </a:rPr>
-              <a:t>2015</a:t>
+              <a:t>June 18, 2015</a:t>
             </a:r>
             <a:endParaRPr lang="en-US" sz="2000" b="1" dirty="0">
               <a:latin typeface="Gill Sans MT" pitchFamily="34" charset="0"/>
@@ -5412,7 +5388,7 @@
   <p:timing>
     <p:tnLst>
       <p:par>
-        <p:cTn id="1" dur="indefinite" restart="never" nodeType="tmRoot"/>
+        <p:cTn xmlns:p14="http://schemas.microsoft.com/office/powerpoint/2010/main" id="1" dur="indefinite" restart="never" nodeType="tmRoot"/>
       </p:par>
     </p:tnLst>
   </p:timing>
@@ -5549,14 +5525,14 @@
             <a:noFill/>
           </a:ln>
           <a:extLst>
-            <a:ext uri="{909E8E84-426E-40DD-AFC4-6F175D3DCCD1}">
+            <a:ext uri="{909E8E84-426E-40dd-AFC4-6F175D3DCCD1}">
               <a14:hiddenFill xmlns:a14="http://schemas.microsoft.com/office/drawing/2010/main">
                 <a:solidFill>
                   <a:srgbClr val="FFFFFF"/>
                 </a:solidFill>
               </a14:hiddenFill>
             </a:ext>
-            <a:ext uri="{91240B29-F687-4F45-9708-019B960494DF}">
+            <a:ext uri="{91240B29-F687-4f45-9708-019B960494DF}">
               <a14:hiddenLine xmlns:a14="http://schemas.microsoft.com/office/drawing/2010/main" w="9525">
                 <a:solidFill>
                   <a:srgbClr val="000000"/>
@@ -5582,7 +5558,7 @@
   <p:timing>
     <p:tnLst>
       <p:par>
-        <p:cTn id="1" dur="indefinite" restart="never" nodeType="tmRoot"/>
+        <p:cTn xmlns:p14="http://schemas.microsoft.com/office/powerpoint/2010/main" id="1" dur="indefinite" restart="never" nodeType="tmRoot"/>
       </p:par>
     </p:tnLst>
   </p:timing>
@@ -5654,7 +5630,7 @@
   <p:timing>
     <p:tnLst>
       <p:par>
-        <p:cTn id="1" dur="indefinite" restart="never" nodeType="tmRoot"/>
+        <p:cTn xmlns:p14="http://schemas.microsoft.com/office/powerpoint/2010/main" id="1" dur="indefinite" restart="never" nodeType="tmRoot"/>
       </p:par>
     </p:tnLst>
   </p:timing>
@@ -5857,7 +5833,7 @@
   <p:timing>
     <p:tnLst>
       <p:par>
-        <p:cTn id="1" dur="indefinite" restart="never" nodeType="tmRoot"/>
+        <p:cTn xmlns:p14="http://schemas.microsoft.com/office/powerpoint/2010/main" id="1" dur="indefinite" restart="never" nodeType="tmRoot"/>
       </p:par>
     </p:tnLst>
   </p:timing>
@@ -5955,21 +5931,8 @@
                   <a:schemeClr val="bg1"/>
                 </a:solidFill>
               </a:rPr>
-              <a:t>Sprint </a:t>
-            </a:r>
-            <a:r>
-              <a:rPr lang="en-US" b="1" dirty="0" smtClean="0">
-                <a:solidFill>
-                  <a:schemeClr val="bg1"/>
-                </a:solidFill>
-              </a:rPr>
-              <a:t>1: Architecture, Development, and Test </a:t>
-            </a:r>
-            <a:endParaRPr lang="en-US" b="1" dirty="0" smtClean="0">
-              <a:solidFill>
-                <a:schemeClr val="bg1"/>
-              </a:solidFill>
-            </a:endParaRPr>
+              <a:t>Sprint 1: Architecture, Development, and Test </a:t>
+            </a:r>
           </a:p>
         </p:txBody>
       </p:sp>
@@ -5995,14 +5958,14 @@
           </a:ln>
           <a:effectLst/>
           <a:extLst>
-            <a:ext uri="{909E8E84-426E-40DD-AFC4-6F175D3DCCD1}">
+            <a:ext uri="{909E8E84-426E-40dd-AFC4-6F175D3DCCD1}">
               <a14:hiddenFill xmlns:a14="http://schemas.microsoft.com/office/drawing/2010/main">
                 <a:solidFill>
                   <a:schemeClr val="accent1"/>
                 </a:solidFill>
               </a14:hiddenFill>
             </a:ext>
-            <a:ext uri="{91240B29-F687-4F45-9708-019B960494DF}">
+            <a:ext uri="{91240B29-F687-4f45-9708-019B960494DF}">
               <a14:hiddenLine xmlns:a14="http://schemas.microsoft.com/office/drawing/2010/main" w="9525">
                 <a:solidFill>
                   <a:schemeClr val="tx1"/>
@@ -6012,7 +5975,7 @@
                 <a:tailEnd/>
               </a14:hiddenLine>
             </a:ext>
-            <a:ext uri="{AF507438-7753-43E0-B8FC-AC1667EBCBE1}">
+            <a:ext uri="{AF507438-7753-43e0-B8FC-AC1667EBCBE1}">
               <a14:hiddenEffects xmlns:a14="http://schemas.microsoft.com/office/drawing/2010/main">
                 <a:effectLst>
                   <a:outerShdw dist="35921" dir="2700000" algn="ctr" rotWithShape="0">
@@ -6423,7 +6386,7 @@
   <p:timing>
     <p:tnLst>
       <p:par>
-        <p:cTn id="1" dur="indefinite" restart="never" nodeType="tmRoot"/>
+        <p:cTn xmlns:p14="http://schemas.microsoft.com/office/powerpoint/2010/main" id="1" dur="indefinite" restart="never" nodeType="tmRoot"/>
       </p:par>
     </p:tnLst>
   </p:timing>
@@ -6521,21 +6484,8 @@
                   <a:schemeClr val="bg1"/>
                 </a:solidFill>
               </a:rPr>
-              <a:t>Sprint </a:t>
-            </a:r>
-            <a:r>
-              <a:rPr lang="en-US" b="1" dirty="0" smtClean="0">
-                <a:solidFill>
-                  <a:schemeClr val="bg1"/>
-                </a:solidFill>
-              </a:rPr>
-              <a:t>1</a:t>
-            </a:r>
-            <a:endParaRPr lang="en-US" b="1" dirty="0" smtClean="0">
-              <a:solidFill>
-                <a:schemeClr val="bg1"/>
-              </a:solidFill>
-            </a:endParaRPr>
+              <a:t>Sprint 1</a:t>
+            </a:r>
           </a:p>
         </p:txBody>
       </p:sp>
@@ -6561,14 +6511,14 @@
           </a:ln>
           <a:effectLst/>
           <a:extLst>
-            <a:ext uri="{909E8E84-426E-40DD-AFC4-6F175D3DCCD1}">
+            <a:ext uri="{909E8E84-426E-40dd-AFC4-6F175D3DCCD1}">
               <a14:hiddenFill xmlns:a14="http://schemas.microsoft.com/office/drawing/2010/main">
                 <a:solidFill>
                   <a:schemeClr val="accent1"/>
                 </a:solidFill>
               </a14:hiddenFill>
             </a:ext>
-            <a:ext uri="{91240B29-F687-4F45-9708-019B960494DF}">
+            <a:ext uri="{91240B29-F687-4f45-9708-019B960494DF}">
               <a14:hiddenLine xmlns:a14="http://schemas.microsoft.com/office/drawing/2010/main" w="9525">
                 <a:solidFill>
                   <a:schemeClr val="tx1"/>
@@ -6578,7 +6528,7 @@
                 <a:tailEnd/>
               </a14:hiddenLine>
             </a:ext>
-            <a:ext uri="{AF507438-7753-43E0-B8FC-AC1667EBCBE1}">
+            <a:ext uri="{AF507438-7753-43e0-B8FC-AC1667EBCBE1}">
               <a14:hiddenEffects xmlns:a14="http://schemas.microsoft.com/office/drawing/2010/main">
                 <a:effectLst>
                   <a:outerShdw dist="35921" dir="2700000" algn="ctr" rotWithShape="0">
@@ -6915,7 +6865,7 @@
   <p:timing>
     <p:tnLst>
       <p:par>
-        <p:cTn id="1" dur="indefinite" restart="never" nodeType="tmRoot"/>
+        <p:cTn xmlns:p14="http://schemas.microsoft.com/office/powerpoint/2010/main" id="1" dur="indefinite" restart="never" nodeType="tmRoot"/>
       </p:par>
     </p:tnLst>
   </p:timing>
@@ -7013,21 +6963,8 @@
                   <a:schemeClr val="bg1"/>
                 </a:solidFill>
               </a:rPr>
-              <a:t>Sprint </a:t>
-            </a:r>
-            <a:r>
-              <a:rPr lang="en-US" b="1" dirty="0" smtClean="0">
-                <a:solidFill>
-                  <a:schemeClr val="bg1"/>
-                </a:solidFill>
-              </a:rPr>
-              <a:t>1</a:t>
-            </a:r>
-            <a:endParaRPr lang="en-US" b="1" dirty="0" smtClean="0">
-              <a:solidFill>
-                <a:schemeClr val="bg1"/>
-              </a:solidFill>
-            </a:endParaRPr>
+              <a:t>Sprint 1</a:t>
+            </a:r>
           </a:p>
         </p:txBody>
       </p:sp>
@@ -7041,8 +6978,8 @@
         </p:nvSpPr>
         <p:spPr bwMode="auto">
           <a:xfrm>
-            <a:off x="609600" y="968156"/>
-            <a:ext cx="6553200" cy="5570756"/>
+            <a:off x="228600" y="1383653"/>
+            <a:ext cx="8382000" cy="4739760"/>
           </a:xfrm>
           <a:prstGeom prst="rect">
             <a:avLst/>
@@ -7053,14 +6990,14 @@
           </a:ln>
           <a:effectLst/>
           <a:extLst>
-            <a:ext uri="{909E8E84-426E-40DD-AFC4-6F175D3DCCD1}">
+            <a:ext uri="{909E8E84-426E-40dd-AFC4-6F175D3DCCD1}">
               <a14:hiddenFill xmlns:a14="http://schemas.microsoft.com/office/drawing/2010/main">
                 <a:solidFill>
                   <a:schemeClr val="accent1"/>
                 </a:solidFill>
               </a14:hiddenFill>
             </a:ext>
-            <a:ext uri="{91240B29-F687-4F45-9708-019B960494DF}">
+            <a:ext uri="{91240B29-F687-4f45-9708-019B960494DF}">
               <a14:hiddenLine xmlns:a14="http://schemas.microsoft.com/office/drawing/2010/main" w="9525">
                 <a:solidFill>
                   <a:schemeClr val="tx1"/>
@@ -7070,7 +7007,7 @@
                 <a:tailEnd/>
               </a14:hiddenLine>
             </a:ext>
-            <a:ext uri="{AF507438-7753-43E0-B8FC-AC1667EBCBE1}">
+            <a:ext uri="{AF507438-7753-43e0-B8FC-AC1667EBCBE1}">
               <a14:hiddenEffects xmlns:a14="http://schemas.microsoft.com/office/drawing/2010/main">
                 <a:effectLst>
                   <a:outerShdw dist="35921" dir="2700000" algn="ctr" rotWithShape="0">
@@ -7304,7 +7241,15 @@
             </a:pPr>
             <a:r>
               <a:rPr lang="en-US" dirty="0"/>
-              <a:t>Identify source control for Configuration Management</a:t>
+              <a:t>Identify source control for Configuration </a:t>
+            </a:r>
+            <a:r>
+              <a:rPr lang="en-US" dirty="0" smtClean="0"/>
+              <a:t>Management - </a:t>
+            </a:r>
+            <a:r>
+              <a:rPr lang="en-US" dirty="0" err="1" smtClean="0"/>
+              <a:t>GitHub</a:t>
             </a:r>
             <a:endParaRPr lang="en-US" sz="2400" dirty="0"/>
           </a:p>
@@ -7314,8 +7259,16 @@
               <a:buChar char="§"/>
             </a:pPr>
             <a:r>
+              <a:rPr lang="en-US" dirty="0" smtClean="0"/>
+              <a:t>Does app need </a:t>
+            </a:r>
+            <a:r>
               <a:rPr lang="en-US" dirty="0"/>
-              <a:t>App needs to capture user’s username and password</a:t>
+              <a:t>to capture user’s username and </a:t>
+            </a:r>
+            <a:r>
+              <a:rPr lang="en-US" dirty="0" smtClean="0"/>
+              <a:t>password (no)</a:t>
             </a:r>
             <a:endParaRPr lang="en-US" sz="2400" dirty="0"/>
           </a:p>
@@ -7336,19 +7289,12 @@
               <a:buChar char="§"/>
             </a:pPr>
             <a:r>
+              <a:rPr lang="en-US" dirty="0" smtClean="0"/>
+              <a:t>CI </a:t>
+            </a:r>
+            <a:r>
               <a:rPr lang="en-US" dirty="0"/>
-              <a:t>Parallel deployments – Pool 2</a:t>
-            </a:r>
-            <a:endParaRPr lang="en-US" sz="2400" dirty="0"/>
-          </a:p>
-          <a:p>
-            <a:pPr marL="742950" lvl="1" indent="-285750">
-              <a:buFont typeface="Wingdings" panose="05000000000000000000" pitchFamily="2" charset="2"/>
-              <a:buChar char="§"/>
-            </a:pPr>
-            <a:r>
-              <a:rPr lang="en-US" dirty="0"/>
-              <a:t>CI – monitoring deployment of software – automated deployment to prod</a:t>
+              <a:t>– monitoring deployment of software – automated deployment to prod</a:t>
             </a:r>
             <a:endParaRPr lang="en-US" sz="2400" dirty="0"/>
           </a:p>
@@ -7393,7 +7339,7 @@
   <p:timing>
     <p:tnLst>
       <p:par>
-        <p:cTn id="1" dur="indefinite" restart="never" nodeType="tmRoot"/>
+        <p:cTn xmlns:p14="http://schemas.microsoft.com/office/powerpoint/2010/main" id="1" dur="indefinite" restart="never" nodeType="tmRoot"/>
       </p:par>
     </p:tnLst>
   </p:timing>
@@ -7491,23 +7437,7 @@
                   <a:schemeClr val="bg1"/>
                 </a:solidFill>
               </a:rPr>
-              <a:t>Sprint </a:t>
-            </a:r>
-            <a:r>
-              <a:rPr lang="en-US" b="1" dirty="0" smtClean="0">
-                <a:solidFill>
-                  <a:schemeClr val="bg1"/>
-                </a:solidFill>
-              </a:rPr>
-              <a:t>1: </a:t>
-            </a:r>
-            <a:r>
-              <a:rPr lang="en-US" b="1" dirty="0" smtClean="0">
-                <a:solidFill>
-                  <a:schemeClr val="bg1"/>
-                </a:solidFill>
-              </a:rPr>
-              <a:t>Capture Sprint</a:t>
+              <a:t>Sprint 1: Capture Sprint</a:t>
             </a:r>
           </a:p>
         </p:txBody>
@@ -7534,14 +7464,14 @@
           </a:ln>
           <a:effectLst/>
           <a:extLst>
-            <a:ext uri="{909E8E84-426E-40DD-AFC4-6F175D3DCCD1}">
+            <a:ext uri="{909E8E84-426E-40dd-AFC4-6F175D3DCCD1}">
               <a14:hiddenFill xmlns:a14="http://schemas.microsoft.com/office/drawing/2010/main">
                 <a:solidFill>
                   <a:schemeClr val="accent1"/>
                 </a:solidFill>
               </a14:hiddenFill>
             </a:ext>
-            <a:ext uri="{91240B29-F687-4F45-9708-019B960494DF}">
+            <a:ext uri="{91240B29-F687-4f45-9708-019B960494DF}">
               <a14:hiddenLine xmlns:a14="http://schemas.microsoft.com/office/drawing/2010/main" w="9525">
                 <a:solidFill>
                   <a:schemeClr val="tx1"/>
@@ -7551,7 +7481,7 @@
                 <a:tailEnd/>
               </a14:hiddenLine>
             </a:ext>
-            <a:ext uri="{AF507438-7753-43E0-B8FC-AC1667EBCBE1}">
+            <a:ext uri="{AF507438-7753-43e0-B8FC-AC1667EBCBE1}">
               <a14:hiddenEffects xmlns:a14="http://schemas.microsoft.com/office/drawing/2010/main">
                 <a:effectLst>
                   <a:outerShdw dist="35921" dir="2700000" algn="ctr" rotWithShape="0">
@@ -7832,7 +7762,7 @@
   <p:timing>
     <p:tnLst>
       <p:par>
-        <p:cTn id="1" dur="indefinite" restart="never" nodeType="tmRoot"/>
+        <p:cTn xmlns:p14="http://schemas.microsoft.com/office/powerpoint/2010/main" id="1" dur="indefinite" restart="never" nodeType="tmRoot"/>
       </p:par>
     </p:tnLst>
   </p:timing>
@@ -7930,21 +7860,8 @@
                   <a:schemeClr val="bg1"/>
                 </a:solidFill>
               </a:rPr>
-              <a:t>Sprint </a:t>
-            </a:r>
-            <a:r>
-              <a:rPr lang="en-US" b="1" dirty="0" smtClean="0">
-                <a:solidFill>
-                  <a:schemeClr val="bg1"/>
-                </a:solidFill>
-              </a:rPr>
-              <a:t>1: Branching Strategy</a:t>
-            </a:r>
-            <a:endParaRPr lang="en-US" b="1" dirty="0" smtClean="0">
-              <a:solidFill>
-                <a:schemeClr val="bg1"/>
-              </a:solidFill>
-            </a:endParaRPr>
+              <a:t>Sprint 1: Branching Strategy</a:t>
+            </a:r>
           </a:p>
         </p:txBody>
       </p:sp>
@@ -7979,7 +7896,7 @@
           </a:prstGeom>
           <a:noFill/>
           <a:extLst>
-            <a:ext uri="{909E8E84-426E-40DD-AFC4-6F175D3DCCD1}">
+            <a:ext uri="{909E8E84-426E-40dd-AFC4-6F175D3DCCD1}">
               <a14:hiddenFill xmlns:a14="http://schemas.microsoft.com/office/drawing/2010/main">
                 <a:solidFill>
                   <a:srgbClr val="FFFFFF"/>
@@ -8011,14 +7928,14 @@
           </a:ln>
           <a:effectLst/>
           <a:extLst>
-            <a:ext uri="{909E8E84-426E-40DD-AFC4-6F175D3DCCD1}">
+            <a:ext uri="{909E8E84-426E-40dd-AFC4-6F175D3DCCD1}">
               <a14:hiddenFill xmlns:a14="http://schemas.microsoft.com/office/drawing/2010/main">
                 <a:solidFill>
                   <a:schemeClr val="accent1"/>
                 </a:solidFill>
               </a14:hiddenFill>
             </a:ext>
-            <a:ext uri="{91240B29-F687-4F45-9708-019B960494DF}">
+            <a:ext uri="{91240B29-F687-4f45-9708-019B960494DF}">
               <a14:hiddenLine xmlns:a14="http://schemas.microsoft.com/office/drawing/2010/main" w="9525">
                 <a:solidFill>
                   <a:schemeClr val="tx1"/>
@@ -8028,7 +7945,7 @@
                 <a:tailEnd/>
               </a14:hiddenLine>
             </a:ext>
-            <a:ext uri="{AF507438-7753-43E0-B8FC-AC1667EBCBE1}">
+            <a:ext uri="{AF507438-7753-43e0-B8FC-AC1667EBCBE1}">
               <a14:hiddenEffects xmlns:a14="http://schemas.microsoft.com/office/drawing/2010/main">
                 <a:effectLst>
                   <a:outerShdw dist="35921" dir="2700000" algn="ctr" rotWithShape="0">
@@ -8318,7 +8235,7 @@
   <p:timing>
     <p:tnLst>
       <p:par>
-        <p:cTn id="1" dur="indefinite" restart="never" nodeType="tmRoot"/>
+        <p:cTn xmlns:p14="http://schemas.microsoft.com/office/powerpoint/2010/main" id="1" dur="indefinite" restart="never" nodeType="tmRoot"/>
       </p:par>
     </p:tnLst>
   </p:timing>
@@ -8953,7 +8870,7 @@
   <p:timing>
     <p:tnLst>
       <p:par>
-        <p:cTn id="1" dur="indefinite" restart="never" nodeType="tmRoot"/>
+        <p:cTn xmlns:p14="http://schemas.microsoft.com/office/powerpoint/2010/main" id="1" dur="indefinite" restart="never" nodeType="tmRoot"/>
       </p:par>
     </p:tnLst>
   </p:timing>
@@ -9051,21 +8968,8 @@
                   <a:schemeClr val="bg1"/>
                 </a:solidFill>
               </a:rPr>
-              <a:t>Sprint </a:t>
-            </a:r>
-            <a:r>
-              <a:rPr lang="en-US" b="1" dirty="0" smtClean="0">
-                <a:solidFill>
-                  <a:schemeClr val="bg1"/>
-                </a:solidFill>
-              </a:rPr>
-              <a:t>1: Schedule</a:t>
-            </a:r>
-            <a:endParaRPr lang="en-US" b="1" dirty="0" smtClean="0">
-              <a:solidFill>
-                <a:schemeClr val="bg1"/>
-              </a:solidFill>
-            </a:endParaRPr>
+              <a:t>Sprint 1: Schedule</a:t>
+            </a:r>
           </a:p>
         </p:txBody>
       </p:sp>
@@ -9091,14 +8995,14 @@
           </a:ln>
           <a:effectLst/>
           <a:extLst>
-            <a:ext uri="{909E8E84-426E-40DD-AFC4-6F175D3DCCD1}">
+            <a:ext uri="{909E8E84-426E-40dd-AFC4-6F175D3DCCD1}">
               <a14:hiddenFill xmlns:a14="http://schemas.microsoft.com/office/drawing/2010/main">
                 <a:solidFill>
                   <a:schemeClr val="accent1"/>
                 </a:solidFill>
               </a14:hiddenFill>
             </a:ext>
-            <a:ext uri="{91240B29-F687-4F45-9708-019B960494DF}">
+            <a:ext uri="{91240B29-F687-4f45-9708-019B960494DF}">
               <a14:hiddenLine xmlns:a14="http://schemas.microsoft.com/office/drawing/2010/main" w="9525">
                 <a:solidFill>
                   <a:schemeClr val="tx1"/>
@@ -9108,7 +9012,7 @@
                 <a:tailEnd/>
               </a14:hiddenLine>
             </a:ext>
-            <a:ext uri="{AF507438-7753-43E0-B8FC-AC1667EBCBE1}">
+            <a:ext uri="{AF507438-7753-43e0-B8FC-AC1667EBCBE1}">
               <a14:hiddenEffects xmlns:a14="http://schemas.microsoft.com/office/drawing/2010/main">
                 <a:effectLst>
                   <a:outerShdw dist="35921" dir="2700000" algn="ctr" rotWithShape="0">
@@ -9216,7 +9120,7 @@
   <p:timing>
     <p:tnLst>
       <p:par>
-        <p:cTn id="1" dur="indefinite" restart="never" nodeType="tmRoot"/>
+        <p:cTn xmlns:p14="http://schemas.microsoft.com/office/powerpoint/2010/main" id="1" dur="indefinite" restart="never" nodeType="tmRoot"/>
       </p:par>
     </p:tnLst>
   </p:timing>
